--- a/slides/Telco.pptx
+++ b/slides/Telco.pptx
@@ -8,6 +8,8 @@
     <p:sldId id="256" r:id="rId2"/>
     <p:sldId id="257" r:id="rId3"/>
     <p:sldId id="258" r:id="rId4"/>
+    <p:sldId id="259" r:id="rId5"/>
+    <p:sldId id="260" r:id="rId6"/>
   </p:sldIdLst>
   <p:sldSz cx="12192000" cy="6858000"/>
   <p:notesSz cx="6858000" cy="9144000"/>
@@ -7636,14 +7638,14 @@
           <p:nvPr>
             <p:extLst>
               <p:ext uri="{D42A27DB-BD31-4B8C-83A1-F6EECF244321}">
-                <p14:modId xmlns:p14="http://schemas.microsoft.com/office/powerpoint/2010/main" val="2540579731"/>
+                <p14:modId xmlns:p14="http://schemas.microsoft.com/office/powerpoint/2010/main" val="1120023390"/>
               </p:ext>
             </p:extLst>
           </p:nvPr>
         </p:nvGraphicFramePr>
         <p:xfrm>
           <a:off x="969617" y="0"/>
-          <a:ext cx="10003183" cy="6698975"/>
+          <a:ext cx="10003183" cy="4925693"/>
         </p:xfrm>
         <a:graphic>
           <a:graphicData uri="http://schemas.openxmlformats.org/drawingml/2006/table">
@@ -7855,7 +7857,7 @@
                   </a:ext>
                 </a:extLst>
               </a:tr>
-              <a:tr h="974494">
+              <a:tr h="424821">
                 <a:tc>
                   <a:txBody>
                     <a:bodyPr/>
@@ -7934,7 +7936,7 @@
                   </a:ext>
                 </a:extLst>
               </a:tr>
-              <a:tr h="794731">
+              <a:tr h="304800">
                 <a:tc>
                   <a:txBody>
                     <a:bodyPr/>
@@ -8103,7 +8105,7 @@
                   </a:ext>
                 </a:extLst>
               </a:tr>
-              <a:tr h="707861">
+              <a:tr h="332159">
                 <a:tc>
                   <a:txBody>
                     <a:bodyPr/>
@@ -8155,7 +8157,7 @@
                   </a:ext>
                 </a:extLst>
               </a:tr>
-              <a:tr h="549856">
+              <a:tr h="355600">
                 <a:tc>
                   <a:txBody>
                     <a:bodyPr/>
@@ -8420,7 +8422,7 @@
                   </a:ext>
                 </a:extLst>
               </a:tr>
-              <a:tr h="549856">
+              <a:tr h="315651">
                 <a:tc>
                   <a:txBody>
                     <a:bodyPr/>
@@ -10425,7 +10427,7 @@
         </p:blipFill>
         <p:spPr>
           <a:xfrm>
-            <a:off x="198169" y="0"/>
+            <a:off x="896669" y="98268"/>
             <a:ext cx="5573044" cy="2848131"/>
           </a:xfrm>
           <a:prstGeom prst="rect">
@@ -10433,10 +10435,1150 @@
           </a:prstGeom>
         </p:spPr>
       </p:pic>
+      <p:sp>
+        <p:nvSpPr>
+          <p:cNvPr id="4" name="TextBox 3"/>
+          <p:cNvSpPr txBox="1"/>
+          <p:nvPr/>
+        </p:nvSpPr>
+        <p:spPr>
+          <a:xfrm>
+            <a:off x="1282700" y="2946399"/>
+            <a:ext cx="4089400" cy="461665"/>
+          </a:xfrm>
+          <a:prstGeom prst="rect">
+            <a:avLst/>
+          </a:prstGeom>
+          <a:noFill/>
+        </p:spPr>
+        <p:txBody>
+          <a:bodyPr wrap="square" rtlCol="0">
+            <a:spAutoFit/>
+          </a:bodyPr>
+          <a:lstStyle/>
+          <a:p>
+            <a:r>
+              <a:rPr lang="en-US" sz="1200" b="1" dirty="0" smtClean="0">
+                <a:solidFill>
+                  <a:schemeClr val="accent1"/>
+                </a:solidFill>
+              </a:rPr>
+              <a:t>Column Bearer ID not really skewed which implies absence of outliers</a:t>
+            </a:r>
+          </a:p>
+        </p:txBody>
+      </p:sp>
+      <p:pic>
+        <p:nvPicPr>
+          <p:cNvPr id="5" name="Picture 4"/>
+          <p:cNvPicPr>
+            <a:picLocks noChangeAspect="1"/>
+          </p:cNvPicPr>
+          <p:nvPr/>
+        </p:nvPicPr>
+        <p:blipFill>
+          <a:blip r:embed="rId3">
+            <a:extLst>
+              <a:ext uri="{28A0092B-C50C-407E-A947-70E740481C1C}">
+                <a14:useLocalDpi xmlns:a14="http://schemas.microsoft.com/office/drawing/2010/main" val="0"/>
+              </a:ext>
+            </a:extLst>
+          </a:blip>
+          <a:stretch>
+            <a:fillRect/>
+          </a:stretch>
+        </p:blipFill>
+        <p:spPr>
+          <a:xfrm>
+            <a:off x="7222844" y="125898"/>
+            <a:ext cx="4867556" cy="2680801"/>
+          </a:xfrm>
+          <a:prstGeom prst="rect">
+            <a:avLst/>
+          </a:prstGeom>
+        </p:spPr>
+      </p:pic>
+      <p:sp>
+        <p:nvSpPr>
+          <p:cNvPr id="6" name="TextBox 5"/>
+          <p:cNvSpPr txBox="1"/>
+          <p:nvPr/>
+        </p:nvSpPr>
+        <p:spPr>
+          <a:xfrm>
+            <a:off x="7594600" y="2946399"/>
+            <a:ext cx="4394200" cy="461665"/>
+          </a:xfrm>
+          <a:prstGeom prst="rect">
+            <a:avLst/>
+          </a:prstGeom>
+          <a:noFill/>
+        </p:spPr>
+        <p:txBody>
+          <a:bodyPr wrap="square" rtlCol="0">
+            <a:spAutoFit/>
+          </a:bodyPr>
+          <a:lstStyle/>
+          <a:p>
+            <a:r>
+              <a:rPr lang="en-US" sz="1200" b="1" dirty="0" smtClean="0">
+                <a:solidFill>
+                  <a:schemeClr val="accent1"/>
+                </a:solidFill>
+              </a:rPr>
+              <a:t>Column </a:t>
+            </a:r>
+            <a:r>
+              <a:rPr lang="en-US" sz="1200" b="1" dirty="0" err="1" smtClean="0">
+                <a:solidFill>
+                  <a:schemeClr val="accent1"/>
+                </a:solidFill>
+              </a:rPr>
+              <a:t>Dur</a:t>
+            </a:r>
+            <a:r>
+              <a:rPr lang="en-US" sz="1200" b="1" dirty="0" smtClean="0">
+                <a:solidFill>
+                  <a:schemeClr val="accent1"/>
+                </a:solidFill>
+              </a:rPr>
+              <a:t>. (</a:t>
+            </a:r>
+            <a:r>
+              <a:rPr lang="en-US" sz="1200" b="1" dirty="0" err="1" smtClean="0">
+                <a:solidFill>
+                  <a:schemeClr val="accent1"/>
+                </a:solidFill>
+              </a:rPr>
+              <a:t>ms</a:t>
+            </a:r>
+            <a:r>
+              <a:rPr lang="en-US" sz="1200" b="1" dirty="0" smtClean="0">
+                <a:solidFill>
+                  <a:schemeClr val="accent1"/>
+                </a:solidFill>
+              </a:rPr>
+              <a:t>) is positively skewed which implies presence of outliers</a:t>
+            </a:r>
+          </a:p>
+        </p:txBody>
+      </p:sp>
+      <p:pic>
+        <p:nvPicPr>
+          <p:cNvPr id="7" name="Picture 6"/>
+          <p:cNvPicPr>
+            <a:picLocks noChangeAspect="1"/>
+          </p:cNvPicPr>
+          <p:nvPr/>
+        </p:nvPicPr>
+        <p:blipFill>
+          <a:blip r:embed="rId4">
+            <a:extLst>
+              <a:ext uri="{28A0092B-C50C-407E-A947-70E740481C1C}">
+                <a14:useLocalDpi xmlns:a14="http://schemas.microsoft.com/office/drawing/2010/main" val="0"/>
+              </a:ext>
+            </a:extLst>
+          </a:blip>
+          <a:stretch>
+            <a:fillRect/>
+          </a:stretch>
+        </p:blipFill>
+        <p:spPr>
+          <a:xfrm>
+            <a:off x="1012502" y="3408064"/>
+            <a:ext cx="5235898" cy="2657846"/>
+          </a:xfrm>
+          <a:prstGeom prst="rect">
+            <a:avLst/>
+          </a:prstGeom>
+        </p:spPr>
+      </p:pic>
+      <p:sp>
+        <p:nvSpPr>
+          <p:cNvPr id="8" name="TextBox 7"/>
+          <p:cNvSpPr txBox="1"/>
+          <p:nvPr/>
+        </p:nvSpPr>
+        <p:spPr>
+          <a:xfrm flipH="1">
+            <a:off x="1012502" y="6000938"/>
+            <a:ext cx="4892998" cy="646331"/>
+          </a:xfrm>
+          <a:prstGeom prst="rect">
+            <a:avLst/>
+          </a:prstGeom>
+          <a:noFill/>
+        </p:spPr>
+        <p:txBody>
+          <a:bodyPr wrap="square" rtlCol="0">
+            <a:spAutoFit/>
+          </a:bodyPr>
+          <a:lstStyle/>
+          <a:p>
+            <a:r>
+              <a:rPr lang="en-US" sz="1200" b="1" dirty="0" smtClean="0">
+                <a:solidFill>
+                  <a:schemeClr val="accent1"/>
+                </a:solidFill>
+              </a:rPr>
+              <a:t>Column Other data shows a normal distribution, which implies equal probability of an instance in any locating in the range 0 till 800.</a:t>
+            </a:r>
+            <a:endParaRPr lang="en-US" sz="1200" b="1" dirty="0">
+              <a:solidFill>
+                <a:schemeClr val="accent1"/>
+              </a:solidFill>
+            </a:endParaRPr>
+          </a:p>
+        </p:txBody>
+      </p:sp>
+      <p:pic>
+        <p:nvPicPr>
+          <p:cNvPr id="9" name="Picture 8"/>
+          <p:cNvPicPr>
+            <a:picLocks noChangeAspect="1"/>
+          </p:cNvPicPr>
+          <p:nvPr/>
+        </p:nvPicPr>
+        <p:blipFill>
+          <a:blip r:embed="rId5">
+            <a:extLst>
+              <a:ext uri="{28A0092B-C50C-407E-A947-70E740481C1C}">
+                <a14:useLocalDpi xmlns:a14="http://schemas.microsoft.com/office/drawing/2010/main" val="0"/>
+              </a:ext>
+            </a:extLst>
+          </a:blip>
+          <a:stretch>
+            <a:fillRect/>
+          </a:stretch>
+        </p:blipFill>
+        <p:spPr>
+          <a:xfrm>
+            <a:off x="7251700" y="3408065"/>
+            <a:ext cx="4544059" cy="2657846"/>
+          </a:xfrm>
+          <a:prstGeom prst="rect">
+            <a:avLst/>
+          </a:prstGeom>
+        </p:spPr>
+      </p:pic>
+      <p:sp>
+        <p:nvSpPr>
+          <p:cNvPr id="10" name="TextBox 9"/>
+          <p:cNvSpPr txBox="1"/>
+          <p:nvPr/>
+        </p:nvSpPr>
+        <p:spPr>
+          <a:xfrm>
+            <a:off x="8039100" y="6065910"/>
+            <a:ext cx="4051300" cy="923330"/>
+          </a:xfrm>
+          <a:prstGeom prst="rect">
+            <a:avLst/>
+          </a:prstGeom>
+          <a:noFill/>
+        </p:spPr>
+        <p:txBody>
+          <a:bodyPr wrap="square" rtlCol="0">
+            <a:spAutoFit/>
+          </a:bodyPr>
+          <a:lstStyle/>
+          <a:p>
+            <a:r>
+              <a:rPr lang="en-US" sz="1200" b="1" dirty="0">
+                <a:solidFill>
+                  <a:schemeClr val="accent1"/>
+                </a:solidFill>
+              </a:rPr>
+              <a:t>Column </a:t>
+            </a:r>
+            <a:r>
+              <a:rPr lang="en-US" sz="1200" b="1" dirty="0" smtClean="0">
+                <a:solidFill>
+                  <a:schemeClr val="accent1"/>
+                </a:solidFill>
+              </a:rPr>
+              <a:t>Gaming </a:t>
+            </a:r>
+            <a:r>
+              <a:rPr lang="en-US" sz="1200" b="1" dirty="0">
+                <a:solidFill>
+                  <a:schemeClr val="accent1"/>
+                </a:solidFill>
+              </a:rPr>
+              <a:t>data shows a normal distribution, which implies equal probability of an instance in any locating in the range 0 till 800.</a:t>
+            </a:r>
+          </a:p>
+          <a:p>
+            <a:endParaRPr lang="en-US" dirty="0"/>
+          </a:p>
+        </p:txBody>
+      </p:sp>
     </p:spTree>
     <p:extLst>
       <p:ext uri="{BB962C8B-B14F-4D97-AF65-F5344CB8AC3E}">
         <p14:creationId xmlns:p14="http://schemas.microsoft.com/office/powerpoint/2010/main" val="471983696"/>
+      </p:ext>
+    </p:extLst>
+  </p:cSld>
+  <p:clrMapOvr>
+    <a:masterClrMapping/>
+  </p:clrMapOvr>
+</p:sld>
+</file>
+
+<file path=ppt/slides/slide4.xml><?xml version="1.0" encoding="utf-8"?>
+<p:sld xmlns:a="http://schemas.openxmlformats.org/drawingml/2006/main" xmlns:r="http://schemas.openxmlformats.org/officeDocument/2006/relationships" xmlns:p="http://schemas.openxmlformats.org/presentationml/2006/main">
+  <p:cSld>
+    <p:spTree>
+      <p:nvGrpSpPr>
+        <p:cNvPr id="1" name=""/>
+        <p:cNvGrpSpPr/>
+        <p:nvPr/>
+      </p:nvGrpSpPr>
+      <p:grpSpPr>
+        <a:xfrm>
+          <a:off x="0" y="0"/>
+          <a:ext cx="0" cy="0"/>
+          <a:chOff x="0" y="0"/>
+          <a:chExt cx="0" cy="0"/>
+        </a:xfrm>
+      </p:grpSpPr>
+      <p:pic>
+        <p:nvPicPr>
+          <p:cNvPr id="2" name="Picture 1"/>
+          <p:cNvPicPr>
+            <a:picLocks noChangeAspect="1"/>
+          </p:cNvPicPr>
+          <p:nvPr/>
+        </p:nvPicPr>
+        <p:blipFill>
+          <a:blip r:embed="rId2">
+            <a:extLst>
+              <a:ext uri="{28A0092B-C50C-407E-A947-70E740481C1C}">
+                <a14:useLocalDpi xmlns:a14="http://schemas.microsoft.com/office/drawing/2010/main" val="0"/>
+              </a:ext>
+            </a:extLst>
+          </a:blip>
+          <a:stretch>
+            <a:fillRect/>
+          </a:stretch>
+        </p:blipFill>
+        <p:spPr>
+          <a:xfrm>
+            <a:off x="207665" y="0"/>
+            <a:ext cx="5977235" cy="2508434"/>
+          </a:xfrm>
+          <a:prstGeom prst="rect">
+            <a:avLst/>
+          </a:prstGeom>
+        </p:spPr>
+      </p:pic>
+      <p:sp>
+        <p:nvSpPr>
+          <p:cNvPr id="3" name="TextBox 2"/>
+          <p:cNvSpPr txBox="1"/>
+          <p:nvPr/>
+        </p:nvSpPr>
+        <p:spPr>
+          <a:xfrm>
+            <a:off x="207664" y="2603500"/>
+            <a:ext cx="5253335" cy="646331"/>
+          </a:xfrm>
+          <a:prstGeom prst="rect">
+            <a:avLst/>
+          </a:prstGeom>
+          <a:noFill/>
+        </p:spPr>
+        <p:txBody>
+          <a:bodyPr wrap="square" rtlCol="0">
+            <a:spAutoFit/>
+          </a:bodyPr>
+          <a:lstStyle/>
+          <a:p>
+            <a:r>
+              <a:rPr lang="en-US" sz="1200" b="1" dirty="0" smtClean="0">
+                <a:solidFill>
+                  <a:schemeClr val="accent1"/>
+                </a:solidFill>
+              </a:rPr>
+              <a:t>Column </a:t>
+            </a:r>
+            <a:r>
+              <a:rPr lang="en-US" sz="1200" b="1" dirty="0" err="1" smtClean="0">
+                <a:solidFill>
+                  <a:schemeClr val="accent1"/>
+                </a:solidFill>
+              </a:rPr>
+              <a:t>Youtube</a:t>
+            </a:r>
+            <a:r>
+              <a:rPr lang="en-US" sz="1200" b="1" dirty="0" smtClean="0">
+                <a:solidFill>
+                  <a:schemeClr val="accent1"/>
+                </a:solidFill>
+              </a:rPr>
+              <a:t> data is normally distributed which implies that it has no significant outlier with highest probability of instance same as the mean</a:t>
+            </a:r>
+            <a:endParaRPr lang="en-US" sz="1200" b="1" dirty="0">
+              <a:solidFill>
+                <a:schemeClr val="accent1"/>
+              </a:solidFill>
+            </a:endParaRPr>
+          </a:p>
+        </p:txBody>
+      </p:sp>
+      <p:pic>
+        <p:nvPicPr>
+          <p:cNvPr id="4" name="Picture 3"/>
+          <p:cNvPicPr>
+            <a:picLocks noChangeAspect="1"/>
+          </p:cNvPicPr>
+          <p:nvPr/>
+        </p:nvPicPr>
+        <p:blipFill>
+          <a:blip r:embed="rId3">
+            <a:extLst>
+              <a:ext uri="{28A0092B-C50C-407E-A947-70E740481C1C}">
+                <a14:useLocalDpi xmlns:a14="http://schemas.microsoft.com/office/drawing/2010/main" val="0"/>
+              </a:ext>
+            </a:extLst>
+          </a:blip>
+          <a:stretch>
+            <a:fillRect/>
+          </a:stretch>
+        </p:blipFill>
+        <p:spPr>
+          <a:xfrm>
+            <a:off x="6451600" y="0"/>
+            <a:ext cx="5626398" cy="2610017"/>
+          </a:xfrm>
+          <a:prstGeom prst="rect">
+            <a:avLst/>
+          </a:prstGeom>
+        </p:spPr>
+      </p:pic>
+      <p:sp>
+        <p:nvSpPr>
+          <p:cNvPr id="6" name="TextBox 5"/>
+          <p:cNvSpPr txBox="1"/>
+          <p:nvPr/>
+        </p:nvSpPr>
+        <p:spPr>
+          <a:xfrm>
+            <a:off x="6972300" y="2794000"/>
+            <a:ext cx="5105698" cy="1015663"/>
+          </a:xfrm>
+          <a:prstGeom prst="rect">
+            <a:avLst/>
+          </a:prstGeom>
+          <a:noFill/>
+        </p:spPr>
+        <p:txBody>
+          <a:bodyPr wrap="square" rtlCol="0">
+            <a:spAutoFit/>
+          </a:bodyPr>
+          <a:lstStyle/>
+          <a:p>
+            <a:r>
+              <a:rPr lang="en-US" sz="1200" b="1" dirty="0">
+                <a:solidFill>
+                  <a:schemeClr val="accent1"/>
+                </a:solidFill>
+              </a:rPr>
+              <a:t>Column </a:t>
+            </a:r>
+            <a:r>
+              <a:rPr lang="en-US" sz="1200" b="1" dirty="0" smtClean="0">
+                <a:solidFill>
+                  <a:schemeClr val="accent1"/>
+                </a:solidFill>
+              </a:rPr>
+              <a:t>Email </a:t>
+            </a:r>
+            <a:r>
+              <a:rPr lang="en-US" sz="1200" b="1" dirty="0">
+                <a:solidFill>
+                  <a:schemeClr val="accent1"/>
+                </a:solidFill>
+              </a:rPr>
+              <a:t>data shows a normal distribution, which implies equal probability of an instance in any locating in the range </a:t>
+            </a:r>
+            <a:r>
+              <a:rPr lang="en-US" sz="1200" b="1" dirty="0" smtClean="0">
+                <a:solidFill>
+                  <a:schemeClr val="accent1"/>
+                </a:solidFill>
+              </a:rPr>
+              <a:t>1 </a:t>
+            </a:r>
+            <a:r>
+              <a:rPr lang="en-US" sz="1200" b="1" dirty="0">
+                <a:solidFill>
+                  <a:schemeClr val="accent1"/>
+                </a:solidFill>
+              </a:rPr>
+              <a:t>till </a:t>
+            </a:r>
+            <a:r>
+              <a:rPr lang="en-US" sz="1200" b="1" dirty="0" smtClean="0">
+                <a:solidFill>
+                  <a:schemeClr val="accent1"/>
+                </a:solidFill>
+              </a:rPr>
+              <a:t>3.5</a:t>
+            </a:r>
+            <a:r>
+              <a:rPr lang="en-US" b="1" dirty="0" smtClean="0">
+                <a:solidFill>
+                  <a:schemeClr val="accent1"/>
+                </a:solidFill>
+              </a:rPr>
+              <a:t>.</a:t>
+            </a:r>
+            <a:endParaRPr lang="en-US" b="1" dirty="0">
+              <a:solidFill>
+                <a:schemeClr val="accent1"/>
+              </a:solidFill>
+            </a:endParaRPr>
+          </a:p>
+          <a:p>
+            <a:endParaRPr lang="en-US" dirty="0"/>
+          </a:p>
+        </p:txBody>
+      </p:sp>
+      <p:pic>
+        <p:nvPicPr>
+          <p:cNvPr id="7" name="Picture 6"/>
+          <p:cNvPicPr>
+            <a:picLocks noChangeAspect="1"/>
+          </p:cNvPicPr>
+          <p:nvPr/>
+        </p:nvPicPr>
+        <p:blipFill>
+          <a:blip r:embed="rId4">
+            <a:extLst>
+              <a:ext uri="{28A0092B-C50C-407E-A947-70E740481C1C}">
+                <a14:useLocalDpi xmlns:a14="http://schemas.microsoft.com/office/drawing/2010/main" val="0"/>
+              </a:ext>
+            </a:extLst>
+          </a:blip>
+          <a:stretch>
+            <a:fillRect/>
+          </a:stretch>
+        </p:blipFill>
+        <p:spPr>
+          <a:xfrm>
+            <a:off x="207664" y="3344897"/>
+            <a:ext cx="5545436" cy="2629267"/>
+          </a:xfrm>
+          <a:prstGeom prst="rect">
+            <a:avLst/>
+          </a:prstGeom>
+        </p:spPr>
+      </p:pic>
+      <p:sp>
+        <p:nvSpPr>
+          <p:cNvPr id="8" name="TextBox 7"/>
+          <p:cNvSpPr txBox="1"/>
+          <p:nvPr/>
+        </p:nvSpPr>
+        <p:spPr>
+          <a:xfrm>
+            <a:off x="207664" y="6303665"/>
+            <a:ext cx="5443836" cy="461665"/>
+          </a:xfrm>
+          <a:prstGeom prst="rect">
+            <a:avLst/>
+          </a:prstGeom>
+          <a:noFill/>
+        </p:spPr>
+        <p:txBody>
+          <a:bodyPr wrap="square" rtlCol="0">
+            <a:spAutoFit/>
+          </a:bodyPr>
+          <a:lstStyle/>
+          <a:p>
+            <a:r>
+              <a:rPr lang="en-US" sz="1200" b="1" dirty="0" smtClean="0">
+                <a:solidFill>
+                  <a:schemeClr val="accent1"/>
+                </a:solidFill>
+              </a:rPr>
+              <a:t>Column Google </a:t>
+            </a:r>
+            <a:r>
+              <a:rPr lang="en-US" sz="1200" b="1" dirty="0">
+                <a:solidFill>
+                  <a:schemeClr val="accent1"/>
+                </a:solidFill>
+              </a:rPr>
+              <a:t>data shows a normal distribution, which implies equal probability of an instance in any locating in the range </a:t>
+            </a:r>
+            <a:r>
+              <a:rPr lang="en-US" sz="1200" b="1" dirty="0" smtClean="0">
+                <a:solidFill>
+                  <a:schemeClr val="accent1"/>
+                </a:solidFill>
+              </a:rPr>
+              <a:t>2.8 </a:t>
+            </a:r>
+            <a:r>
+              <a:rPr lang="en-US" sz="1200" b="1" dirty="0">
+                <a:solidFill>
+                  <a:schemeClr val="accent1"/>
+                </a:solidFill>
+              </a:rPr>
+              <a:t>till </a:t>
+            </a:r>
+            <a:r>
+              <a:rPr lang="en-US" sz="1200" b="1" dirty="0" smtClean="0">
+                <a:solidFill>
+                  <a:schemeClr val="accent1"/>
+                </a:solidFill>
+              </a:rPr>
+              <a:t>11.25.</a:t>
+            </a:r>
+            <a:endParaRPr lang="en-US" sz="1200" b="1" dirty="0">
+              <a:solidFill>
+                <a:schemeClr val="accent1"/>
+              </a:solidFill>
+            </a:endParaRPr>
+          </a:p>
+        </p:txBody>
+      </p:sp>
+      <p:pic>
+        <p:nvPicPr>
+          <p:cNvPr id="9" name="Picture 8"/>
+          <p:cNvPicPr>
+            <a:picLocks noChangeAspect="1"/>
+          </p:cNvPicPr>
+          <p:nvPr/>
+        </p:nvPicPr>
+        <p:blipFill>
+          <a:blip r:embed="rId5">
+            <a:extLst>
+              <a:ext uri="{28A0092B-C50C-407E-A947-70E740481C1C}">
+                <a14:useLocalDpi xmlns:a14="http://schemas.microsoft.com/office/drawing/2010/main" val="0"/>
+              </a:ext>
+            </a:extLst>
+          </a:blip>
+          <a:stretch>
+            <a:fillRect/>
+          </a:stretch>
+        </p:blipFill>
+        <p:spPr>
+          <a:xfrm>
+            <a:off x="6451600" y="3574680"/>
+            <a:ext cx="5626397" cy="2399484"/>
+          </a:xfrm>
+          <a:prstGeom prst="rect">
+            <a:avLst/>
+          </a:prstGeom>
+        </p:spPr>
+      </p:pic>
+      <p:sp>
+        <p:nvSpPr>
+          <p:cNvPr id="11" name="TextBox 10"/>
+          <p:cNvSpPr txBox="1"/>
+          <p:nvPr/>
+        </p:nvSpPr>
+        <p:spPr>
+          <a:xfrm>
+            <a:off x="6794500" y="6303665"/>
+            <a:ext cx="5283497" cy="830997"/>
+          </a:xfrm>
+          <a:prstGeom prst="rect">
+            <a:avLst/>
+          </a:prstGeom>
+          <a:noFill/>
+        </p:spPr>
+        <p:txBody>
+          <a:bodyPr wrap="square" rtlCol="0">
+            <a:spAutoFit/>
+          </a:bodyPr>
+          <a:lstStyle/>
+          <a:p>
+            <a:r>
+              <a:rPr lang="en-US" sz="1200" b="1" dirty="0">
+                <a:solidFill>
+                  <a:schemeClr val="accent1"/>
+                </a:solidFill>
+              </a:rPr>
+              <a:t>Column </a:t>
+            </a:r>
+            <a:r>
+              <a:rPr lang="en-US" sz="1200" b="1" dirty="0" smtClean="0">
+                <a:solidFill>
+                  <a:schemeClr val="accent1"/>
+                </a:solidFill>
+              </a:rPr>
+              <a:t>Social Media </a:t>
+            </a:r>
+            <a:r>
+              <a:rPr lang="en-US" sz="1200" b="1" dirty="0">
+                <a:solidFill>
+                  <a:schemeClr val="accent1"/>
+                </a:solidFill>
+              </a:rPr>
+              <a:t>data shows a normal distribution, which implies equal probability of an instance in any locating in the range </a:t>
+            </a:r>
+            <a:r>
+              <a:rPr lang="en-US" sz="1200" b="1" dirty="0" smtClean="0">
+                <a:solidFill>
+                  <a:schemeClr val="accent1"/>
+                </a:solidFill>
+              </a:rPr>
+              <a:t>0.2 </a:t>
+            </a:r>
+            <a:r>
+              <a:rPr lang="en-US" sz="1200" b="1" dirty="0">
+                <a:solidFill>
+                  <a:schemeClr val="accent1"/>
+                </a:solidFill>
+              </a:rPr>
+              <a:t>till </a:t>
+            </a:r>
+            <a:r>
+              <a:rPr lang="en-US" sz="1200" b="1" dirty="0" smtClean="0">
+                <a:solidFill>
+                  <a:schemeClr val="accent1"/>
+                </a:solidFill>
+              </a:rPr>
+              <a:t>3.4.</a:t>
+            </a:r>
+            <a:endParaRPr lang="en-US" sz="1200" b="1" dirty="0">
+              <a:solidFill>
+                <a:schemeClr val="accent1"/>
+              </a:solidFill>
+            </a:endParaRPr>
+          </a:p>
+          <a:p>
+            <a:endParaRPr lang="en-US" sz="1200" dirty="0"/>
+          </a:p>
+        </p:txBody>
+      </p:sp>
+    </p:spTree>
+    <p:extLst>
+      <p:ext uri="{BB962C8B-B14F-4D97-AF65-F5344CB8AC3E}">
+        <p14:creationId xmlns:p14="http://schemas.microsoft.com/office/powerpoint/2010/main" val="61839555"/>
+      </p:ext>
+    </p:extLst>
+  </p:cSld>
+  <p:clrMapOvr>
+    <a:masterClrMapping/>
+  </p:clrMapOvr>
+</p:sld>
+</file>
+
+<file path=ppt/slides/slide5.xml><?xml version="1.0" encoding="utf-8"?>
+<p:sld xmlns:a="http://schemas.openxmlformats.org/drawingml/2006/main" xmlns:r="http://schemas.openxmlformats.org/officeDocument/2006/relationships" xmlns:p="http://schemas.openxmlformats.org/presentationml/2006/main">
+  <p:cSld>
+    <p:spTree>
+      <p:nvGrpSpPr>
+        <p:cNvPr id="1" name=""/>
+        <p:cNvGrpSpPr/>
+        <p:nvPr/>
+      </p:nvGrpSpPr>
+      <p:grpSpPr>
+        <a:xfrm>
+          <a:off x="0" y="0"/>
+          <a:ext cx="0" cy="0"/>
+          <a:chOff x="0" y="0"/>
+          <a:chExt cx="0" cy="0"/>
+        </a:xfrm>
+      </p:grpSpPr>
+      <p:pic>
+        <p:nvPicPr>
+          <p:cNvPr id="4" name="Picture 3"/>
+          <p:cNvPicPr>
+            <a:picLocks noChangeAspect="1"/>
+          </p:cNvPicPr>
+          <p:nvPr/>
+        </p:nvPicPr>
+        <p:blipFill>
+          <a:blip r:embed="rId2">
+            <a:extLst>
+              <a:ext uri="{28A0092B-C50C-407E-A947-70E740481C1C}">
+                <a14:useLocalDpi xmlns:a14="http://schemas.microsoft.com/office/drawing/2010/main" val="0"/>
+              </a:ext>
+            </a:extLst>
+          </a:blip>
+          <a:stretch>
+            <a:fillRect/>
+          </a:stretch>
+        </p:blipFill>
+        <p:spPr>
+          <a:xfrm>
+            <a:off x="183838" y="0"/>
+            <a:ext cx="5594661" cy="2543530"/>
+          </a:xfrm>
+          <a:prstGeom prst="rect">
+            <a:avLst/>
+          </a:prstGeom>
+        </p:spPr>
+      </p:pic>
+      <p:sp>
+        <p:nvSpPr>
+          <p:cNvPr id="5" name="TextBox 4"/>
+          <p:cNvSpPr txBox="1"/>
+          <p:nvPr/>
+        </p:nvSpPr>
+        <p:spPr>
+          <a:xfrm>
+            <a:off x="254000" y="2603500"/>
+            <a:ext cx="5473700" cy="461665"/>
+          </a:xfrm>
+          <a:prstGeom prst="rect">
+            <a:avLst/>
+          </a:prstGeom>
+          <a:noFill/>
+        </p:spPr>
+        <p:txBody>
+          <a:bodyPr wrap="square" rtlCol="0">
+            <a:spAutoFit/>
+          </a:bodyPr>
+          <a:lstStyle/>
+          <a:p>
+            <a:r>
+              <a:rPr lang="en-US" sz="1200" b="1" dirty="0" smtClean="0">
+                <a:solidFill>
+                  <a:schemeClr val="accent1"/>
+                </a:solidFill>
+              </a:rPr>
+              <a:t>Column Total UL (MB) is normally distributed which implies that it has no outlier</a:t>
+            </a:r>
+            <a:endParaRPr lang="en-US" sz="1200" b="1" dirty="0">
+              <a:solidFill>
+                <a:schemeClr val="accent1"/>
+              </a:solidFill>
+            </a:endParaRPr>
+          </a:p>
+        </p:txBody>
+      </p:sp>
+      <p:pic>
+        <p:nvPicPr>
+          <p:cNvPr id="6" name="Picture 5"/>
+          <p:cNvPicPr>
+            <a:picLocks noChangeAspect="1"/>
+          </p:cNvPicPr>
+          <p:nvPr/>
+        </p:nvPicPr>
+        <p:blipFill>
+          <a:blip r:embed="rId3">
+            <a:extLst>
+              <a:ext uri="{28A0092B-C50C-407E-A947-70E740481C1C}">
+                <a14:useLocalDpi xmlns:a14="http://schemas.microsoft.com/office/drawing/2010/main" val="0"/>
+              </a:ext>
+            </a:extLst>
+          </a:blip>
+          <a:stretch>
+            <a:fillRect/>
+          </a:stretch>
+        </p:blipFill>
+        <p:spPr>
+          <a:xfrm>
+            <a:off x="6477001" y="0"/>
+            <a:ext cx="5715000" cy="2705478"/>
+          </a:xfrm>
+          <a:prstGeom prst="rect">
+            <a:avLst/>
+          </a:prstGeom>
+        </p:spPr>
+      </p:pic>
+      <p:sp>
+        <p:nvSpPr>
+          <p:cNvPr id="7" name="TextBox 6"/>
+          <p:cNvSpPr txBox="1"/>
+          <p:nvPr/>
+        </p:nvSpPr>
+        <p:spPr>
+          <a:xfrm>
+            <a:off x="6565900" y="2908300"/>
+            <a:ext cx="5626100" cy="646331"/>
+          </a:xfrm>
+          <a:prstGeom prst="rect">
+            <a:avLst/>
+          </a:prstGeom>
+          <a:noFill/>
+        </p:spPr>
+        <p:txBody>
+          <a:bodyPr wrap="square" rtlCol="0">
+            <a:spAutoFit/>
+          </a:bodyPr>
+          <a:lstStyle/>
+          <a:p>
+            <a:r>
+              <a:rPr lang="en-US" sz="1200" b="1" dirty="0">
+                <a:solidFill>
+                  <a:schemeClr val="accent1"/>
+                </a:solidFill>
+              </a:rPr>
+              <a:t>Column </a:t>
+            </a:r>
+            <a:r>
+              <a:rPr lang="en-US" sz="1200" b="1" dirty="0" smtClean="0">
+                <a:solidFill>
+                  <a:schemeClr val="accent1"/>
+                </a:solidFill>
+              </a:rPr>
+              <a:t>Total DL (MB) </a:t>
+            </a:r>
+            <a:r>
+              <a:rPr lang="en-US" sz="1200" b="1" dirty="0">
+                <a:solidFill>
+                  <a:schemeClr val="accent1"/>
+                </a:solidFill>
+              </a:rPr>
+              <a:t>shows a normal distribution, which implies equal probability of an instance in any locating in the range </a:t>
+            </a:r>
+            <a:r>
+              <a:rPr lang="en-US" sz="1200" b="1" dirty="0" smtClean="0">
+                <a:solidFill>
+                  <a:schemeClr val="accent1"/>
+                </a:solidFill>
+              </a:rPr>
+              <a:t>80 </a:t>
+            </a:r>
+            <a:r>
+              <a:rPr lang="en-US" sz="1200" b="1" dirty="0">
+                <a:solidFill>
+                  <a:schemeClr val="accent1"/>
+                </a:solidFill>
+              </a:rPr>
+              <a:t>till </a:t>
+            </a:r>
+            <a:r>
+              <a:rPr lang="en-US" sz="1200" b="1" dirty="0" smtClean="0">
+                <a:solidFill>
+                  <a:schemeClr val="accent1"/>
+                </a:solidFill>
+              </a:rPr>
+              <a:t>820.</a:t>
+            </a:r>
+            <a:endParaRPr lang="en-US" sz="1200" b="1" dirty="0">
+              <a:solidFill>
+                <a:schemeClr val="accent1"/>
+              </a:solidFill>
+            </a:endParaRPr>
+          </a:p>
+          <a:p>
+            <a:endParaRPr lang="en-US" sz="1200" dirty="0"/>
+          </a:p>
+        </p:txBody>
+      </p:sp>
+      <p:pic>
+        <p:nvPicPr>
+          <p:cNvPr id="8" name="Picture 7"/>
+          <p:cNvPicPr>
+            <a:picLocks noChangeAspect="1"/>
+          </p:cNvPicPr>
+          <p:nvPr/>
+        </p:nvPicPr>
+        <p:blipFill>
+          <a:blip r:embed="rId4">
+            <a:extLst>
+              <a:ext uri="{28A0092B-C50C-407E-A947-70E740481C1C}">
+                <a14:useLocalDpi xmlns:a14="http://schemas.microsoft.com/office/drawing/2010/main" val="0"/>
+              </a:ext>
+            </a:extLst>
+          </a:blip>
+          <a:stretch>
+            <a:fillRect/>
+          </a:stretch>
+        </p:blipFill>
+        <p:spPr>
+          <a:xfrm>
+            <a:off x="254000" y="3125135"/>
+            <a:ext cx="5473700" cy="2562583"/>
+          </a:xfrm>
+          <a:prstGeom prst="rect">
+            <a:avLst/>
+          </a:prstGeom>
+        </p:spPr>
+      </p:pic>
+      <p:sp>
+        <p:nvSpPr>
+          <p:cNvPr id="9" name="TextBox 8"/>
+          <p:cNvSpPr txBox="1"/>
+          <p:nvPr/>
+        </p:nvSpPr>
+        <p:spPr>
+          <a:xfrm>
+            <a:off x="254000" y="5905500"/>
+            <a:ext cx="5473700" cy="738664"/>
+          </a:xfrm>
+          <a:prstGeom prst="rect">
+            <a:avLst/>
+          </a:prstGeom>
+          <a:noFill/>
+        </p:spPr>
+        <p:txBody>
+          <a:bodyPr wrap="square" rtlCol="0">
+            <a:spAutoFit/>
+          </a:bodyPr>
+          <a:lstStyle/>
+          <a:p>
+            <a:r>
+              <a:rPr lang="en-US" sz="1200" b="1" dirty="0">
+                <a:solidFill>
+                  <a:schemeClr val="accent1"/>
+                </a:solidFill>
+              </a:rPr>
+              <a:t>Column </a:t>
+            </a:r>
+            <a:r>
+              <a:rPr lang="en-US" sz="1200" b="1" dirty="0" err="1" smtClean="0">
+                <a:solidFill>
+                  <a:schemeClr val="accent1"/>
+                </a:solidFill>
+              </a:rPr>
+              <a:t>Total_volume</a:t>
+            </a:r>
+            <a:r>
+              <a:rPr lang="en-US" sz="1200" b="1" dirty="0" smtClean="0">
+                <a:solidFill>
+                  <a:schemeClr val="accent1"/>
+                </a:solidFill>
+              </a:rPr>
+              <a:t> </a:t>
+            </a:r>
+            <a:r>
+              <a:rPr lang="en-US" sz="1200" b="1" dirty="0">
+                <a:solidFill>
+                  <a:schemeClr val="accent1"/>
+                </a:solidFill>
+              </a:rPr>
+              <a:t>(MB) shows a normal distribution, which implies equal probability of an instance in any locating in the range </a:t>
+            </a:r>
+            <a:r>
+              <a:rPr lang="en-US" sz="1200" b="1" dirty="0" smtClean="0">
+                <a:solidFill>
+                  <a:schemeClr val="accent1"/>
+                </a:solidFill>
+              </a:rPr>
+              <a:t>130 </a:t>
+            </a:r>
+            <a:r>
+              <a:rPr lang="en-US" sz="1200" b="1" dirty="0">
+                <a:solidFill>
+                  <a:schemeClr val="accent1"/>
+                </a:solidFill>
+              </a:rPr>
+              <a:t>till 820.</a:t>
+            </a:r>
+          </a:p>
+          <a:p>
+            <a:endParaRPr lang="en-US" dirty="0"/>
+          </a:p>
+        </p:txBody>
+      </p:sp>
+      <p:pic>
+        <p:nvPicPr>
+          <p:cNvPr id="10" name="Picture 9"/>
+          <p:cNvPicPr>
+            <a:picLocks noChangeAspect="1"/>
+          </p:cNvPicPr>
+          <p:nvPr/>
+        </p:nvPicPr>
+        <p:blipFill>
+          <a:blip r:embed="rId5">
+            <a:extLst>
+              <a:ext uri="{28A0092B-C50C-407E-A947-70E740481C1C}">
+                <a14:useLocalDpi xmlns:a14="http://schemas.microsoft.com/office/drawing/2010/main" val="0"/>
+              </a:ext>
+            </a:extLst>
+          </a:blip>
+          <a:stretch>
+            <a:fillRect/>
+          </a:stretch>
+        </p:blipFill>
+        <p:spPr>
+          <a:xfrm>
+            <a:off x="6477001" y="3344677"/>
+            <a:ext cx="5714999" cy="2657846"/>
+          </a:xfrm>
+          <a:prstGeom prst="rect">
+            <a:avLst/>
+          </a:prstGeom>
+        </p:spPr>
+      </p:pic>
+      <p:sp>
+        <p:nvSpPr>
+          <p:cNvPr id="11" name="TextBox 10"/>
+          <p:cNvSpPr txBox="1"/>
+          <p:nvPr/>
+        </p:nvSpPr>
+        <p:spPr>
+          <a:xfrm>
+            <a:off x="6921500" y="6350000"/>
+            <a:ext cx="5130800" cy="738664"/>
+          </a:xfrm>
+          <a:prstGeom prst="rect">
+            <a:avLst/>
+          </a:prstGeom>
+          <a:noFill/>
+        </p:spPr>
+        <p:txBody>
+          <a:bodyPr wrap="square" rtlCol="0">
+            <a:spAutoFit/>
+          </a:bodyPr>
+          <a:lstStyle/>
+          <a:p>
+            <a:r>
+              <a:rPr lang="en-US" sz="1200" b="1" dirty="0">
+                <a:solidFill>
+                  <a:schemeClr val="accent1"/>
+                </a:solidFill>
+              </a:rPr>
+              <a:t>Column </a:t>
+            </a:r>
+            <a:r>
+              <a:rPr lang="en-US" sz="1200" b="1" smtClean="0">
+                <a:solidFill>
+                  <a:schemeClr val="accent1"/>
+                </a:solidFill>
+              </a:rPr>
+              <a:t>Netflix data </a:t>
+            </a:r>
+            <a:r>
+              <a:rPr lang="en-US" sz="1200" b="1" dirty="0">
+                <a:solidFill>
+                  <a:schemeClr val="accent1"/>
+                </a:solidFill>
+              </a:rPr>
+              <a:t>is normally distributed which implies that it has </a:t>
+            </a:r>
+            <a:r>
+              <a:rPr lang="en-US" sz="1200" b="1">
+                <a:solidFill>
+                  <a:schemeClr val="accent1"/>
+                </a:solidFill>
+              </a:rPr>
+              <a:t>no </a:t>
+            </a:r>
+            <a:r>
+              <a:rPr lang="en-US" sz="1200" b="1" smtClean="0">
+                <a:solidFill>
+                  <a:schemeClr val="accent1"/>
+                </a:solidFill>
+              </a:rPr>
+              <a:t>outlier.</a:t>
+            </a:r>
+            <a:endParaRPr lang="en-US" sz="1200" b="1" dirty="0">
+              <a:solidFill>
+                <a:schemeClr val="accent1"/>
+              </a:solidFill>
+            </a:endParaRPr>
+          </a:p>
+          <a:p>
+            <a:endParaRPr lang="en-US" dirty="0"/>
+          </a:p>
+        </p:txBody>
+      </p:sp>
+    </p:spTree>
+    <p:extLst>
+      <p:ext uri="{BB962C8B-B14F-4D97-AF65-F5344CB8AC3E}">
+        <p14:creationId xmlns:p14="http://schemas.microsoft.com/office/powerpoint/2010/main" val="1311306608"/>
       </p:ext>
     </p:extLst>
   </p:cSld>
